--- a/images/teetime.pptx
+++ b/images/teetime.pptx
@@ -5,21 +5,22 @@
     <p:sldMasterId id="2147483648" r:id="rId1"/>
   </p:sldMasterIdLst>
   <p:notesMasterIdLst>
-    <p:notesMasterId r:id="rId14"/>
+    <p:notesMasterId r:id="rId15"/>
   </p:notesMasterIdLst>
   <p:sldIdLst>
     <p:sldId id="256" r:id="rId2"/>
-    <p:sldId id="257" r:id="rId3"/>
-    <p:sldId id="258" r:id="rId4"/>
-    <p:sldId id="259" r:id="rId5"/>
-    <p:sldId id="260" r:id="rId6"/>
-    <p:sldId id="261" r:id="rId7"/>
-    <p:sldId id="262" r:id="rId8"/>
-    <p:sldId id="263" r:id="rId9"/>
-    <p:sldId id="264" r:id="rId10"/>
-    <p:sldId id="265" r:id="rId11"/>
-    <p:sldId id="266" r:id="rId12"/>
-    <p:sldId id="267" r:id="rId13"/>
+    <p:sldId id="268" r:id="rId3"/>
+    <p:sldId id="257" r:id="rId4"/>
+    <p:sldId id="258" r:id="rId5"/>
+    <p:sldId id="259" r:id="rId6"/>
+    <p:sldId id="260" r:id="rId7"/>
+    <p:sldId id="261" r:id="rId8"/>
+    <p:sldId id="262" r:id="rId9"/>
+    <p:sldId id="263" r:id="rId10"/>
+    <p:sldId id="264" r:id="rId11"/>
+    <p:sldId id="265" r:id="rId12"/>
+    <p:sldId id="266" r:id="rId13"/>
+    <p:sldId id="267" r:id="rId14"/>
   </p:sldIdLst>
   <p:sldSz cx="12192000" cy="6858000"/>
   <p:notesSz cx="6858000" cy="9144000"/>
@@ -220,7 +221,7 @@
           <a:p>
             <a:fld id="{35FB3322-8137-4149-9F14-9A06CD7D0F5A}" type="datetimeFigureOut">
               <a:rPr lang="de-DE" smtClean="0"/>
-              <a:t>17.12.2014</a:t>
+              <a:t>23.09.2015</a:t>
             </a:fld>
             <a:endParaRPr lang="de-DE"/>
           </a:p>
@@ -637,7 +638,7 @@
           <a:p>
             <a:fld id="{D846DCDD-C48E-4755-8310-45DFD4650B4A}" type="slidenum">
               <a:rPr lang="de-DE" smtClean="0"/>
-              <a:t>10</a:t>
+              <a:t>11</a:t>
             </a:fld>
             <a:endParaRPr lang="de-DE"/>
           </a:p>
@@ -721,7 +722,7 @@
           <a:p>
             <a:fld id="{D846DCDD-C48E-4755-8310-45DFD4650B4A}" type="slidenum">
               <a:rPr lang="de-DE" smtClean="0"/>
-              <a:t>2</a:t>
+              <a:t>3</a:t>
             </a:fld>
             <a:endParaRPr lang="de-DE"/>
           </a:p>
@@ -805,7 +806,7 @@
           <a:p>
             <a:fld id="{D846DCDD-C48E-4755-8310-45DFD4650B4A}" type="slidenum">
               <a:rPr lang="de-DE" smtClean="0"/>
-              <a:t>3</a:t>
+              <a:t>4</a:t>
             </a:fld>
             <a:endParaRPr lang="de-DE"/>
           </a:p>
@@ -889,7 +890,7 @@
           <a:p>
             <a:fld id="{D846DCDD-C48E-4755-8310-45DFD4650B4A}" type="slidenum">
               <a:rPr lang="de-DE" smtClean="0"/>
-              <a:t>4</a:t>
+              <a:t>5</a:t>
             </a:fld>
             <a:endParaRPr lang="de-DE"/>
           </a:p>
@@ -973,7 +974,7 @@
           <a:p>
             <a:fld id="{D846DCDD-C48E-4755-8310-45DFD4650B4A}" type="slidenum">
               <a:rPr lang="de-DE" smtClean="0"/>
-              <a:t>5</a:t>
+              <a:t>6</a:t>
             </a:fld>
             <a:endParaRPr lang="de-DE"/>
           </a:p>
@@ -1057,7 +1058,7 @@
           <a:p>
             <a:fld id="{D846DCDD-C48E-4755-8310-45DFD4650B4A}" type="slidenum">
               <a:rPr lang="de-DE" smtClean="0"/>
-              <a:t>6</a:t>
+              <a:t>7</a:t>
             </a:fld>
             <a:endParaRPr lang="de-DE"/>
           </a:p>
@@ -1141,7 +1142,7 @@
           <a:p>
             <a:fld id="{D846DCDD-C48E-4755-8310-45DFD4650B4A}" type="slidenum">
               <a:rPr lang="de-DE" smtClean="0"/>
-              <a:t>7</a:t>
+              <a:t>8</a:t>
             </a:fld>
             <a:endParaRPr lang="de-DE"/>
           </a:p>
@@ -1225,7 +1226,7 @@
           <a:p>
             <a:fld id="{D846DCDD-C48E-4755-8310-45DFD4650B4A}" type="slidenum">
               <a:rPr lang="de-DE" smtClean="0"/>
-              <a:t>8</a:t>
+              <a:t>9</a:t>
             </a:fld>
             <a:endParaRPr lang="de-DE"/>
           </a:p>
@@ -1309,7 +1310,7 @@
           <a:p>
             <a:fld id="{D846DCDD-C48E-4755-8310-45DFD4650B4A}" type="slidenum">
               <a:rPr lang="de-DE" smtClean="0"/>
-              <a:t>9</a:t>
+              <a:t>10</a:t>
             </a:fld>
             <a:endParaRPr lang="de-DE"/>
           </a:p>
@@ -1459,7 +1460,7 @@
           <a:p>
             <a:fld id="{B65606E3-788B-4D39-8065-BBA1684B78E5}" type="datetimeFigureOut">
               <a:rPr lang="de-DE" smtClean="0"/>
-              <a:t>17.12.2014</a:t>
+              <a:t>23.09.2015</a:t>
             </a:fld>
             <a:endParaRPr lang="de-DE"/>
           </a:p>
@@ -1629,7 +1630,7 @@
           <a:p>
             <a:fld id="{B65606E3-788B-4D39-8065-BBA1684B78E5}" type="datetimeFigureOut">
               <a:rPr lang="de-DE" smtClean="0"/>
-              <a:t>17.12.2014</a:t>
+              <a:t>23.09.2015</a:t>
             </a:fld>
             <a:endParaRPr lang="de-DE"/>
           </a:p>
@@ -1809,7 +1810,7 @@
           <a:p>
             <a:fld id="{B65606E3-788B-4D39-8065-BBA1684B78E5}" type="datetimeFigureOut">
               <a:rPr lang="de-DE" smtClean="0"/>
-              <a:t>17.12.2014</a:t>
+              <a:t>23.09.2015</a:t>
             </a:fld>
             <a:endParaRPr lang="de-DE"/>
           </a:p>
@@ -1979,7 +1980,7 @@
           <a:p>
             <a:fld id="{B65606E3-788B-4D39-8065-BBA1684B78E5}" type="datetimeFigureOut">
               <a:rPr lang="de-DE" smtClean="0"/>
-              <a:t>17.12.2014</a:t>
+              <a:t>23.09.2015</a:t>
             </a:fld>
             <a:endParaRPr lang="de-DE"/>
           </a:p>
@@ -2225,7 +2226,7 @@
           <a:p>
             <a:fld id="{B65606E3-788B-4D39-8065-BBA1684B78E5}" type="datetimeFigureOut">
               <a:rPr lang="de-DE" smtClean="0"/>
-              <a:t>17.12.2014</a:t>
+              <a:t>23.09.2015</a:t>
             </a:fld>
             <a:endParaRPr lang="de-DE"/>
           </a:p>
@@ -2457,7 +2458,7 @@
           <a:p>
             <a:fld id="{B65606E3-788B-4D39-8065-BBA1684B78E5}" type="datetimeFigureOut">
               <a:rPr lang="de-DE" smtClean="0"/>
-              <a:t>17.12.2014</a:t>
+              <a:t>23.09.2015</a:t>
             </a:fld>
             <a:endParaRPr lang="de-DE"/>
           </a:p>
@@ -2824,7 +2825,7 @@
           <a:p>
             <a:fld id="{B65606E3-788B-4D39-8065-BBA1684B78E5}" type="datetimeFigureOut">
               <a:rPr lang="de-DE" smtClean="0"/>
-              <a:t>17.12.2014</a:t>
+              <a:t>23.09.2015</a:t>
             </a:fld>
             <a:endParaRPr lang="de-DE"/>
           </a:p>
@@ -2942,7 +2943,7 @@
           <a:p>
             <a:fld id="{B65606E3-788B-4D39-8065-BBA1684B78E5}" type="datetimeFigureOut">
               <a:rPr lang="de-DE" smtClean="0"/>
-              <a:t>17.12.2014</a:t>
+              <a:t>23.09.2015</a:t>
             </a:fld>
             <a:endParaRPr lang="de-DE"/>
           </a:p>
@@ -3037,7 +3038,7 @@
           <a:p>
             <a:fld id="{B65606E3-788B-4D39-8065-BBA1684B78E5}" type="datetimeFigureOut">
               <a:rPr lang="de-DE" smtClean="0"/>
-              <a:t>17.12.2014</a:t>
+              <a:t>23.09.2015</a:t>
             </a:fld>
             <a:endParaRPr lang="de-DE"/>
           </a:p>
@@ -3314,7 +3315,7 @@
           <a:p>
             <a:fld id="{B65606E3-788B-4D39-8065-BBA1684B78E5}" type="datetimeFigureOut">
               <a:rPr lang="de-DE" smtClean="0"/>
-              <a:t>17.12.2014</a:t>
+              <a:t>23.09.2015</a:t>
             </a:fld>
             <a:endParaRPr lang="de-DE"/>
           </a:p>
@@ -3567,7 +3568,7 @@
           <a:p>
             <a:fld id="{B65606E3-788B-4D39-8065-BBA1684B78E5}" type="datetimeFigureOut">
               <a:rPr lang="de-DE" smtClean="0"/>
-              <a:t>17.12.2014</a:t>
+              <a:t>23.09.2015</a:t>
             </a:fld>
             <a:endParaRPr lang="de-DE"/>
           </a:p>
@@ -3780,7 +3781,7 @@
           <a:p>
             <a:fld id="{B65606E3-788B-4D39-8065-BBA1684B78E5}" type="datetimeFigureOut">
               <a:rPr lang="de-DE" smtClean="0"/>
-              <a:t>17.12.2014</a:t>
+              <a:t>23.09.2015</a:t>
             </a:fld>
             <a:endParaRPr lang="de-DE"/>
           </a:p>
@@ -4467,13 +4468,13 @@
       </p:grpSpPr>
       <p:sp>
         <p:nvSpPr>
-          <p:cNvPr id="5" name="TextBox 4"/>
+          <p:cNvPr id="2" name="TextBox 1"/>
           <p:cNvSpPr txBox="1"/>
           <p:nvPr/>
         </p:nvSpPr>
         <p:spPr>
           <a:xfrm flipH="1">
-            <a:off x="4626797" y="2579169"/>
+            <a:off x="4762499" y="2579169"/>
             <a:ext cx="428625" cy="707886"/>
           </a:xfrm>
           <a:prstGeom prst="rect">
@@ -4508,13 +4509,13 @@
       </p:sp>
       <p:sp>
         <p:nvSpPr>
-          <p:cNvPr id="6" name="TextBox 5"/>
+          <p:cNvPr id="3" name="TextBox 2"/>
           <p:cNvSpPr txBox="1"/>
           <p:nvPr/>
         </p:nvSpPr>
         <p:spPr>
           <a:xfrm>
-            <a:off x="4225915" y="2579169"/>
+            <a:off x="4507270" y="2595838"/>
             <a:ext cx="342401" cy="615553"/>
           </a:xfrm>
           <a:prstGeom prst="rect">
@@ -4529,7 +4530,7 @@
           <a:lstStyle/>
           <a:p>
             <a:r>
-              <a:rPr lang="de-DE" sz="4000" dirty="0" smtClean="0">
+              <a:rPr lang="de-DE" sz="4000" dirty="0">
                 <a:ln w="0"/>
                 <a:solidFill>
                   <a:schemeClr val="tx1">
@@ -4553,56 +4554,10 @@
           </a:p>
         </p:txBody>
       </p:sp>
-      <p:sp>
-        <p:nvSpPr>
-          <p:cNvPr id="7" name="TextBox 6"/>
-          <p:cNvSpPr txBox="1"/>
-          <p:nvPr/>
-        </p:nvSpPr>
-        <p:spPr>
-          <a:xfrm>
-            <a:off x="4428374" y="2702279"/>
-            <a:ext cx="279885" cy="461665"/>
-          </a:xfrm>
-          <a:prstGeom prst="rect">
-            <a:avLst/>
-          </a:prstGeom>
-          <a:noFill/>
-        </p:spPr>
-        <p:txBody>
-          <a:bodyPr wrap="none" tIns="0" rIns="0" bIns="0" rtlCol="0">
-            <a:spAutoFit/>
-          </a:bodyPr>
-          <a:lstStyle/>
-          <a:p>
-            <a:r>
-              <a:rPr lang="de-DE" sz="3000" dirty="0">
-                <a:ln w="0"/>
-                <a:solidFill>
-                  <a:schemeClr val="tx1">
-                    <a:lumMod val="75000"/>
-                    <a:lumOff val="25000"/>
-                  </a:schemeClr>
-                </a:solidFill>
-              </a:rPr>
-              <a:t>T</a:t>
-            </a:r>
-            <a:endParaRPr lang="de-DE" sz="3000" dirty="0" smtClean="0">
-              <a:ln w="0"/>
-              <a:solidFill>
-                <a:schemeClr val="tx1">
-                  <a:lumMod val="75000"/>
-                  <a:lumOff val="25000"/>
-                </a:schemeClr>
-              </a:solidFill>
-            </a:endParaRPr>
-          </a:p>
-        </p:txBody>
-      </p:sp>
     </p:spTree>
     <p:extLst>
       <p:ext uri="{BB962C8B-B14F-4D97-AF65-F5344CB8AC3E}">
-        <p14:creationId xmlns:p14="http://schemas.microsoft.com/office/powerpoint/2010/main" val="3872272965"/>
+        <p14:creationId xmlns:p14="http://schemas.microsoft.com/office/powerpoint/2010/main" val="1562623309"/>
       </p:ext>
     </p:extLst>
   </p:cSld>
@@ -4638,6 +4593,177 @@
       </p:grpSpPr>
       <p:sp>
         <p:nvSpPr>
+          <p:cNvPr id="5" name="TextBox 4"/>
+          <p:cNvSpPr txBox="1"/>
+          <p:nvPr/>
+        </p:nvSpPr>
+        <p:spPr>
+          <a:xfrm flipH="1">
+            <a:off x="4626797" y="2579169"/>
+            <a:ext cx="428625" cy="707886"/>
+          </a:xfrm>
+          <a:prstGeom prst="rect">
+            <a:avLst/>
+          </a:prstGeom>
+          <a:noFill/>
+        </p:spPr>
+        <p:txBody>
+          <a:bodyPr wrap="square" rIns="0" rtlCol="0">
+            <a:spAutoFit/>
+          </a:bodyPr>
+          <a:lstStyle/>
+          <a:p>
+            <a:r>
+              <a:rPr lang="de-DE" sz="4000" dirty="0" smtClean="0">
+                <a:ln w="0"/>
+                <a:solidFill>
+                  <a:schemeClr val="tx1">
+                    <a:lumMod val="75000"/>
+                    <a:lumOff val="25000"/>
+                  </a:schemeClr>
+                </a:solidFill>
+                <a:effectLst/>
+              </a:rPr>
+              <a:t>≡</a:t>
+            </a:r>
+            <a:endParaRPr lang="de-DE" sz="4000" dirty="0">
+              <a:effectLst/>
+            </a:endParaRPr>
+          </a:p>
+        </p:txBody>
+      </p:sp>
+      <p:sp>
+        <p:nvSpPr>
+          <p:cNvPr id="6" name="TextBox 5"/>
+          <p:cNvSpPr txBox="1"/>
+          <p:nvPr/>
+        </p:nvSpPr>
+        <p:spPr>
+          <a:xfrm>
+            <a:off x="4225915" y="2579169"/>
+            <a:ext cx="342401" cy="615553"/>
+          </a:xfrm>
+          <a:prstGeom prst="rect">
+            <a:avLst/>
+          </a:prstGeom>
+          <a:noFill/>
+        </p:spPr>
+        <p:txBody>
+          <a:bodyPr wrap="none" tIns="0" rIns="0" bIns="0" rtlCol="0">
+            <a:spAutoFit/>
+          </a:bodyPr>
+          <a:lstStyle/>
+          <a:p>
+            <a:r>
+              <a:rPr lang="de-DE" sz="4000" dirty="0" smtClean="0">
+                <a:ln w="0"/>
+                <a:solidFill>
+                  <a:schemeClr val="tx1">
+                    <a:lumMod val="75000"/>
+                    <a:lumOff val="25000"/>
+                  </a:schemeClr>
+                </a:solidFill>
+              </a:rPr>
+              <a:t>T</a:t>
+            </a:r>
+            <a:endParaRPr lang="de-DE" sz="4000" dirty="0">
+              <a:ln w="0"/>
+              <a:solidFill>
+                <a:schemeClr val="tx1">
+                  <a:lumMod val="75000"/>
+                  <a:lumOff val="25000"/>
+                </a:schemeClr>
+              </a:solidFill>
+              <a:effectLst/>
+            </a:endParaRPr>
+          </a:p>
+        </p:txBody>
+      </p:sp>
+      <p:sp>
+        <p:nvSpPr>
+          <p:cNvPr id="7" name="TextBox 6"/>
+          <p:cNvSpPr txBox="1"/>
+          <p:nvPr/>
+        </p:nvSpPr>
+        <p:spPr>
+          <a:xfrm>
+            <a:off x="4428374" y="2702279"/>
+            <a:ext cx="279885" cy="461665"/>
+          </a:xfrm>
+          <a:prstGeom prst="rect">
+            <a:avLst/>
+          </a:prstGeom>
+          <a:noFill/>
+        </p:spPr>
+        <p:txBody>
+          <a:bodyPr wrap="none" tIns="0" rIns="0" bIns="0" rtlCol="0">
+            <a:spAutoFit/>
+          </a:bodyPr>
+          <a:lstStyle/>
+          <a:p>
+            <a:r>
+              <a:rPr lang="de-DE" sz="3000" dirty="0">
+                <a:ln w="0"/>
+                <a:solidFill>
+                  <a:schemeClr val="tx1">
+                    <a:lumMod val="75000"/>
+                    <a:lumOff val="25000"/>
+                  </a:schemeClr>
+                </a:solidFill>
+              </a:rPr>
+              <a:t>T</a:t>
+            </a:r>
+            <a:endParaRPr lang="de-DE" sz="3000" dirty="0" smtClean="0">
+              <a:ln w="0"/>
+              <a:solidFill>
+                <a:schemeClr val="tx1">
+                  <a:lumMod val="75000"/>
+                  <a:lumOff val="25000"/>
+                </a:schemeClr>
+              </a:solidFill>
+            </a:endParaRPr>
+          </a:p>
+        </p:txBody>
+      </p:sp>
+    </p:spTree>
+    <p:extLst>
+      <p:ext uri="{BB962C8B-B14F-4D97-AF65-F5344CB8AC3E}">
+        <p14:creationId xmlns:p14="http://schemas.microsoft.com/office/powerpoint/2010/main" val="3872272965"/>
+      </p:ext>
+    </p:extLst>
+  </p:cSld>
+  <p:clrMapOvr>
+    <a:masterClrMapping/>
+  </p:clrMapOvr>
+  <p:timing>
+    <p:tnLst>
+      <p:par>
+        <p:cTn id="1" dur="indefinite" restart="never" nodeType="tmRoot"/>
+      </p:par>
+    </p:tnLst>
+  </p:timing>
+</p:sld>
+</file>
+
+<file path=ppt/slides/slide12.xml><?xml version="1.0" encoding="utf-8"?>
+<p:sld xmlns:a="http://schemas.openxmlformats.org/drawingml/2006/main" xmlns:r="http://schemas.openxmlformats.org/officeDocument/2006/relationships" xmlns:p="http://schemas.openxmlformats.org/presentationml/2006/main">
+  <p:cSld>
+    <p:spTree>
+      <p:nvGrpSpPr>
+        <p:cNvPr id="1" name=""/>
+        <p:cNvGrpSpPr/>
+        <p:nvPr/>
+      </p:nvGrpSpPr>
+      <p:grpSpPr>
+        <a:xfrm>
+          <a:off x="0" y="0"/>
+          <a:ext cx="0" cy="0"/>
+          <a:chOff x="0" y="0"/>
+          <a:chExt cx="0" cy="0"/>
+        </a:xfrm>
+      </p:grpSpPr>
+      <p:sp>
+        <p:nvSpPr>
           <p:cNvPr id="2" name="TextBox 1"/>
           <p:cNvSpPr txBox="1"/>
           <p:nvPr/>
@@ -4749,7 +4875,7 @@
 </p:sld>
 </file>
 
-<file path=ppt/slides/slide12.xml><?xml version="1.0" encoding="utf-8"?>
+<file path=ppt/slides/slide13.xml><?xml version="1.0" encoding="utf-8"?>
 <p:sld xmlns:a="http://schemas.openxmlformats.org/drawingml/2006/main" xmlns:r="http://schemas.openxmlformats.org/officeDocument/2006/relationships" xmlns:p="http://schemas.openxmlformats.org/presentationml/2006/main">
   <p:cSld>
     <p:spTree>
@@ -4846,6 +4972,1464 @@
       </p:grpSpPr>
       <p:sp>
         <p:nvSpPr>
+          <p:cNvPr id="3" name="Rounded Rectangle 2"/>
+          <p:cNvSpPr/>
+          <p:nvPr/>
+        </p:nvSpPr>
+        <p:spPr>
+          <a:xfrm>
+            <a:off x="488410" y="3644536"/>
+            <a:ext cx="1584176" cy="1152128"/>
+          </a:xfrm>
+          <a:prstGeom prst="roundRect">
+            <a:avLst/>
+          </a:prstGeom>
+        </p:spPr>
+        <p:style>
+          <a:lnRef idx="2">
+            <a:schemeClr val="accent3"/>
+          </a:lnRef>
+          <a:fillRef idx="1">
+            <a:schemeClr val="lt1"/>
+          </a:fillRef>
+          <a:effectRef idx="0">
+            <a:schemeClr val="accent3"/>
+          </a:effectRef>
+          <a:fontRef idx="minor">
+            <a:schemeClr val="dk1"/>
+          </a:fontRef>
+        </p:style>
+        <p:txBody>
+          <a:bodyPr rtlCol="0" anchor="ctr"/>
+          <a:lstStyle/>
+          <a:p>
+            <a:pPr algn="ctr"/>
+            <a:endParaRPr lang="de-DE"/>
+          </a:p>
+        </p:txBody>
+      </p:sp>
+      <p:sp>
+        <p:nvSpPr>
+          <p:cNvPr id="4" name="Rectangle 3"/>
+          <p:cNvSpPr/>
+          <p:nvPr/>
+        </p:nvSpPr>
+        <p:spPr>
+          <a:xfrm>
+            <a:off x="416402" y="4148592"/>
+            <a:ext cx="144016" cy="144016"/>
+          </a:xfrm>
+          <a:prstGeom prst="rect">
+            <a:avLst/>
+          </a:prstGeom>
+        </p:spPr>
+        <p:style>
+          <a:lnRef idx="2">
+            <a:schemeClr val="accent3"/>
+          </a:lnRef>
+          <a:fillRef idx="1">
+            <a:schemeClr val="lt1"/>
+          </a:fillRef>
+          <a:effectRef idx="0">
+            <a:schemeClr val="accent3"/>
+          </a:effectRef>
+          <a:fontRef idx="minor">
+            <a:schemeClr val="dk1"/>
+          </a:fontRef>
+        </p:style>
+        <p:txBody>
+          <a:bodyPr rtlCol="0" anchor="ctr"/>
+          <a:lstStyle/>
+          <a:p>
+            <a:pPr algn="ctr"/>
+            <a:endParaRPr lang="de-DE"/>
+          </a:p>
+        </p:txBody>
+      </p:sp>
+      <p:sp>
+        <p:nvSpPr>
+          <p:cNvPr id="5" name="Rectangle 4"/>
+          <p:cNvSpPr/>
+          <p:nvPr/>
+        </p:nvSpPr>
+        <p:spPr>
+          <a:xfrm>
+            <a:off x="2000578" y="3860560"/>
+            <a:ext cx="144016" cy="144016"/>
+          </a:xfrm>
+          <a:prstGeom prst="rect">
+            <a:avLst/>
+          </a:prstGeom>
+        </p:spPr>
+        <p:style>
+          <a:lnRef idx="2">
+            <a:schemeClr val="accent3"/>
+          </a:lnRef>
+          <a:fillRef idx="1">
+            <a:schemeClr val="lt1"/>
+          </a:fillRef>
+          <a:effectRef idx="0">
+            <a:schemeClr val="accent3"/>
+          </a:effectRef>
+          <a:fontRef idx="minor">
+            <a:schemeClr val="dk1"/>
+          </a:fontRef>
+        </p:style>
+        <p:txBody>
+          <a:bodyPr rtlCol="0" anchor="ctr"/>
+          <a:lstStyle/>
+          <a:p>
+            <a:pPr algn="ctr"/>
+            <a:endParaRPr lang="de-DE"/>
+          </a:p>
+        </p:txBody>
+      </p:sp>
+      <p:sp>
+        <p:nvSpPr>
+          <p:cNvPr id="6" name="Rectangle 5"/>
+          <p:cNvSpPr/>
+          <p:nvPr/>
+        </p:nvSpPr>
+        <p:spPr>
+          <a:xfrm>
+            <a:off x="2000578" y="4148592"/>
+            <a:ext cx="144016" cy="144016"/>
+          </a:xfrm>
+          <a:prstGeom prst="rect">
+            <a:avLst/>
+          </a:prstGeom>
+        </p:spPr>
+        <p:style>
+          <a:lnRef idx="2">
+            <a:schemeClr val="accent3"/>
+          </a:lnRef>
+          <a:fillRef idx="1">
+            <a:schemeClr val="lt1"/>
+          </a:fillRef>
+          <a:effectRef idx="0">
+            <a:schemeClr val="accent3"/>
+          </a:effectRef>
+          <a:fontRef idx="minor">
+            <a:schemeClr val="dk1"/>
+          </a:fontRef>
+        </p:style>
+        <p:txBody>
+          <a:bodyPr rtlCol="0" anchor="ctr"/>
+          <a:lstStyle/>
+          <a:p>
+            <a:pPr algn="ctr"/>
+            <a:endParaRPr lang="de-DE"/>
+          </a:p>
+        </p:txBody>
+      </p:sp>
+      <p:sp>
+        <p:nvSpPr>
+          <p:cNvPr id="7" name="Rectangle 6"/>
+          <p:cNvSpPr/>
+          <p:nvPr/>
+        </p:nvSpPr>
+        <p:spPr>
+          <a:xfrm>
+            <a:off x="2000578" y="4436624"/>
+            <a:ext cx="144016" cy="144016"/>
+          </a:xfrm>
+          <a:prstGeom prst="rect">
+            <a:avLst/>
+          </a:prstGeom>
+        </p:spPr>
+        <p:style>
+          <a:lnRef idx="2">
+            <a:schemeClr val="accent3"/>
+          </a:lnRef>
+          <a:fillRef idx="1">
+            <a:schemeClr val="lt1"/>
+          </a:fillRef>
+          <a:effectRef idx="0">
+            <a:schemeClr val="accent3"/>
+          </a:effectRef>
+          <a:fontRef idx="minor">
+            <a:schemeClr val="dk1"/>
+          </a:fontRef>
+        </p:style>
+        <p:txBody>
+          <a:bodyPr rtlCol="0" anchor="ctr"/>
+          <a:lstStyle/>
+          <a:p>
+            <a:pPr algn="ctr"/>
+            <a:endParaRPr lang="de-DE"/>
+          </a:p>
+        </p:txBody>
+      </p:sp>
+      <p:cxnSp>
+        <p:nvCxnSpPr>
+          <p:cNvPr id="8" name="Straight Arrow Connector 7"/>
+          <p:cNvCxnSpPr>
+            <a:stCxn id="4" idx="3"/>
+          </p:cNvCxnSpPr>
+          <p:nvPr/>
+        </p:nvCxnSpPr>
+        <p:spPr>
+          <a:xfrm>
+            <a:off x="560418" y="4220600"/>
+            <a:ext cx="483960" cy="0"/>
+          </a:xfrm>
+          <a:prstGeom prst="straightConnector1">
+            <a:avLst/>
+          </a:prstGeom>
+          <a:ln>
+            <a:tailEnd type="triangle"/>
+          </a:ln>
+        </p:spPr>
+        <p:style>
+          <a:lnRef idx="2">
+            <a:schemeClr val="accent3"/>
+          </a:lnRef>
+          <a:fillRef idx="1">
+            <a:schemeClr val="lt1"/>
+          </a:fillRef>
+          <a:effectRef idx="0">
+            <a:schemeClr val="accent3"/>
+          </a:effectRef>
+          <a:fontRef idx="minor">
+            <a:schemeClr val="dk1"/>
+          </a:fontRef>
+        </p:style>
+      </p:cxnSp>
+      <p:cxnSp>
+        <p:nvCxnSpPr>
+          <p:cNvPr id="9" name="Straight Arrow Connector 8"/>
+          <p:cNvCxnSpPr>
+            <a:endCxn id="6" idx="1"/>
+          </p:cNvCxnSpPr>
+          <p:nvPr/>
+        </p:nvCxnSpPr>
+        <p:spPr>
+          <a:xfrm>
+            <a:off x="1528338" y="4220600"/>
+            <a:ext cx="472240" cy="0"/>
+          </a:xfrm>
+          <a:prstGeom prst="straightConnector1">
+            <a:avLst/>
+          </a:prstGeom>
+          <a:ln>
+            <a:tailEnd type="triangle"/>
+          </a:ln>
+        </p:spPr>
+        <p:style>
+          <a:lnRef idx="2">
+            <a:schemeClr val="accent3"/>
+          </a:lnRef>
+          <a:fillRef idx="1">
+            <a:schemeClr val="lt1"/>
+          </a:fillRef>
+          <a:effectRef idx="0">
+            <a:schemeClr val="accent3"/>
+          </a:effectRef>
+          <a:fontRef idx="minor">
+            <a:schemeClr val="dk1"/>
+          </a:fontRef>
+        </p:style>
+      </p:cxnSp>
+      <p:cxnSp>
+        <p:nvCxnSpPr>
+          <p:cNvPr id="10" name="Straight Arrow Connector 9"/>
+          <p:cNvCxnSpPr>
+            <a:endCxn id="7" idx="1"/>
+          </p:cNvCxnSpPr>
+          <p:nvPr/>
+        </p:nvCxnSpPr>
+        <p:spPr>
+          <a:xfrm>
+            <a:off x="1516618" y="4367419"/>
+            <a:ext cx="483960" cy="141213"/>
+          </a:xfrm>
+          <a:prstGeom prst="straightConnector1">
+            <a:avLst/>
+          </a:prstGeom>
+          <a:ln>
+            <a:tailEnd type="triangle"/>
+          </a:ln>
+        </p:spPr>
+        <p:style>
+          <a:lnRef idx="2">
+            <a:schemeClr val="accent3"/>
+          </a:lnRef>
+          <a:fillRef idx="1">
+            <a:schemeClr val="lt1"/>
+          </a:fillRef>
+          <a:effectRef idx="0">
+            <a:schemeClr val="accent3"/>
+          </a:effectRef>
+          <a:fontRef idx="minor">
+            <a:schemeClr val="dk1"/>
+          </a:fontRef>
+        </p:style>
+      </p:cxnSp>
+      <p:cxnSp>
+        <p:nvCxnSpPr>
+          <p:cNvPr id="11" name="Straight Arrow Connector 10"/>
+          <p:cNvCxnSpPr>
+            <a:endCxn id="5" idx="1"/>
+          </p:cNvCxnSpPr>
+          <p:nvPr/>
+        </p:nvCxnSpPr>
+        <p:spPr>
+          <a:xfrm flipV="1">
+            <a:off x="1516618" y="3932568"/>
+            <a:ext cx="483960" cy="135632"/>
+          </a:xfrm>
+          <a:prstGeom prst="straightConnector1">
+            <a:avLst/>
+          </a:prstGeom>
+          <a:ln>
+            <a:tailEnd type="triangle"/>
+          </a:ln>
+        </p:spPr>
+        <p:style>
+          <a:lnRef idx="2">
+            <a:schemeClr val="accent3"/>
+          </a:lnRef>
+          <a:fillRef idx="1">
+            <a:schemeClr val="lt1"/>
+          </a:fillRef>
+          <a:effectRef idx="0">
+            <a:schemeClr val="accent3"/>
+          </a:effectRef>
+          <a:fontRef idx="minor">
+            <a:schemeClr val="dk1"/>
+          </a:fontRef>
+        </p:style>
+      </p:cxnSp>
+      <p:pic>
+        <p:nvPicPr>
+          <p:cNvPr id="12" name="Picture 11"/>
+          <p:cNvPicPr>
+            <a:picLocks noChangeAspect="1"/>
+          </p:cNvPicPr>
+          <p:nvPr/>
+        </p:nvPicPr>
+        <p:blipFill>
+          <a:blip r:embed="rId2" cstate="print">
+            <a:extLst>
+              <a:ext uri="{28A0092B-C50C-407E-A947-70E740481C1C}">
+                <a14:useLocalDpi xmlns:a14="http://schemas.microsoft.com/office/drawing/2010/main" val="0"/>
+              </a:ext>
+            </a:extLst>
+          </a:blip>
+          <a:stretch>
+            <a:fillRect/>
+          </a:stretch>
+        </p:blipFill>
+        <p:spPr>
+          <a:xfrm rot="11381613">
+            <a:off x="1036657" y="3976760"/>
+            <a:ext cx="487680" cy="487680"/>
+          </a:xfrm>
+          <a:prstGeom prst="rect">
+            <a:avLst/>
+          </a:prstGeom>
+          <a:ln>
+            <a:noFill/>
+          </a:ln>
+        </p:spPr>
+        <p:style>
+          <a:lnRef idx="2">
+            <a:schemeClr val="accent3"/>
+          </a:lnRef>
+          <a:fillRef idx="1">
+            <a:schemeClr val="lt1"/>
+          </a:fillRef>
+          <a:effectRef idx="0">
+            <a:schemeClr val="accent3"/>
+          </a:effectRef>
+          <a:fontRef idx="minor">
+            <a:schemeClr val="dk1"/>
+          </a:fontRef>
+        </p:style>
+      </p:pic>
+      <p:sp>
+        <p:nvSpPr>
+          <p:cNvPr id="14" name="Rounded Rectangle 13"/>
+          <p:cNvSpPr/>
+          <p:nvPr/>
+        </p:nvSpPr>
+        <p:spPr>
+          <a:xfrm>
+            <a:off x="482685" y="2134792"/>
+            <a:ext cx="1584176" cy="1152128"/>
+          </a:xfrm>
+          <a:prstGeom prst="roundRect">
+            <a:avLst/>
+          </a:prstGeom>
+        </p:spPr>
+        <p:style>
+          <a:lnRef idx="2">
+            <a:schemeClr val="accent3"/>
+          </a:lnRef>
+          <a:fillRef idx="1">
+            <a:schemeClr val="lt1"/>
+          </a:fillRef>
+          <a:effectRef idx="0">
+            <a:schemeClr val="accent3"/>
+          </a:effectRef>
+          <a:fontRef idx="minor">
+            <a:schemeClr val="dk1"/>
+          </a:fontRef>
+        </p:style>
+        <p:txBody>
+          <a:bodyPr rtlCol="0" anchor="ctr"/>
+          <a:lstStyle/>
+          <a:p>
+            <a:pPr algn="ctr"/>
+            <a:endParaRPr lang="de-DE"/>
+          </a:p>
+        </p:txBody>
+      </p:sp>
+      <p:sp>
+        <p:nvSpPr>
+          <p:cNvPr id="15" name="Rectangle 14"/>
+          <p:cNvSpPr/>
+          <p:nvPr/>
+        </p:nvSpPr>
+        <p:spPr>
+          <a:xfrm>
+            <a:off x="410677" y="2638848"/>
+            <a:ext cx="144016" cy="144016"/>
+          </a:xfrm>
+          <a:prstGeom prst="rect">
+            <a:avLst/>
+          </a:prstGeom>
+        </p:spPr>
+        <p:style>
+          <a:lnRef idx="2">
+            <a:schemeClr val="accent3"/>
+          </a:lnRef>
+          <a:fillRef idx="1">
+            <a:schemeClr val="lt1"/>
+          </a:fillRef>
+          <a:effectRef idx="0">
+            <a:schemeClr val="accent3"/>
+          </a:effectRef>
+          <a:fontRef idx="minor">
+            <a:schemeClr val="dk1"/>
+          </a:fontRef>
+        </p:style>
+        <p:txBody>
+          <a:bodyPr rtlCol="0" anchor="ctr"/>
+          <a:lstStyle/>
+          <a:p>
+            <a:pPr algn="ctr"/>
+            <a:endParaRPr lang="de-DE"/>
+          </a:p>
+        </p:txBody>
+      </p:sp>
+      <p:sp>
+        <p:nvSpPr>
+          <p:cNvPr id="16" name="Rectangle 15"/>
+          <p:cNvSpPr/>
+          <p:nvPr/>
+        </p:nvSpPr>
+        <p:spPr>
+          <a:xfrm>
+            <a:off x="1994853" y="2638848"/>
+            <a:ext cx="144016" cy="144016"/>
+          </a:xfrm>
+          <a:prstGeom prst="rect">
+            <a:avLst/>
+          </a:prstGeom>
+        </p:spPr>
+        <p:style>
+          <a:lnRef idx="2">
+            <a:schemeClr val="accent3"/>
+          </a:lnRef>
+          <a:fillRef idx="1">
+            <a:schemeClr val="lt1"/>
+          </a:fillRef>
+          <a:effectRef idx="0">
+            <a:schemeClr val="accent3"/>
+          </a:effectRef>
+          <a:fontRef idx="minor">
+            <a:schemeClr val="dk1"/>
+          </a:fontRef>
+        </p:style>
+        <p:txBody>
+          <a:bodyPr rtlCol="0" anchor="ctr"/>
+          <a:lstStyle/>
+          <a:p>
+            <a:pPr algn="ctr"/>
+            <a:endParaRPr lang="de-DE"/>
+          </a:p>
+        </p:txBody>
+      </p:sp>
+      <p:cxnSp>
+        <p:nvCxnSpPr>
+          <p:cNvPr id="17" name="Straight Arrow Connector 16"/>
+          <p:cNvCxnSpPr>
+            <a:stCxn id="15" idx="3"/>
+          </p:cNvCxnSpPr>
+          <p:nvPr/>
+        </p:nvCxnSpPr>
+        <p:spPr>
+          <a:xfrm>
+            <a:off x="554693" y="2710856"/>
+            <a:ext cx="483960" cy="0"/>
+          </a:xfrm>
+          <a:prstGeom prst="straightConnector1">
+            <a:avLst/>
+          </a:prstGeom>
+          <a:ln>
+            <a:tailEnd type="triangle"/>
+          </a:ln>
+        </p:spPr>
+        <p:style>
+          <a:lnRef idx="2">
+            <a:schemeClr val="accent3"/>
+          </a:lnRef>
+          <a:fillRef idx="1">
+            <a:schemeClr val="lt1"/>
+          </a:fillRef>
+          <a:effectRef idx="0">
+            <a:schemeClr val="accent3"/>
+          </a:effectRef>
+          <a:fontRef idx="minor">
+            <a:schemeClr val="dk1"/>
+          </a:fontRef>
+        </p:style>
+      </p:cxnSp>
+      <p:cxnSp>
+        <p:nvCxnSpPr>
+          <p:cNvPr id="18" name="Straight Arrow Connector 17"/>
+          <p:cNvCxnSpPr>
+            <a:endCxn id="16" idx="1"/>
+          </p:cNvCxnSpPr>
+          <p:nvPr/>
+        </p:nvCxnSpPr>
+        <p:spPr>
+          <a:xfrm>
+            <a:off x="1522613" y="2710856"/>
+            <a:ext cx="472240" cy="0"/>
+          </a:xfrm>
+          <a:prstGeom prst="straightConnector1">
+            <a:avLst/>
+          </a:prstGeom>
+          <a:ln>
+            <a:tailEnd type="triangle"/>
+          </a:ln>
+        </p:spPr>
+        <p:style>
+          <a:lnRef idx="2">
+            <a:schemeClr val="accent3"/>
+          </a:lnRef>
+          <a:fillRef idx="1">
+            <a:schemeClr val="lt1"/>
+          </a:fillRef>
+          <a:effectRef idx="0">
+            <a:schemeClr val="accent3"/>
+          </a:effectRef>
+          <a:fontRef idx="minor">
+            <a:schemeClr val="dk1"/>
+          </a:fontRef>
+        </p:style>
+      </p:cxnSp>
+      <p:pic>
+        <p:nvPicPr>
+          <p:cNvPr id="19" name="Picture 18"/>
+          <p:cNvPicPr>
+            <a:picLocks noChangeAspect="1"/>
+          </p:cNvPicPr>
+          <p:nvPr/>
+        </p:nvPicPr>
+        <p:blipFill>
+          <a:blip r:embed="rId2" cstate="print">
+            <a:extLst>
+              <a:ext uri="{28A0092B-C50C-407E-A947-70E740481C1C}">
+                <a14:useLocalDpi xmlns:a14="http://schemas.microsoft.com/office/drawing/2010/main" val="0"/>
+              </a:ext>
+            </a:extLst>
+          </a:blip>
+          <a:stretch>
+            <a:fillRect/>
+          </a:stretch>
+        </p:blipFill>
+        <p:spPr>
+          <a:xfrm rot="11381613">
+            <a:off x="1030932" y="2467016"/>
+            <a:ext cx="487680" cy="487680"/>
+          </a:xfrm>
+          <a:prstGeom prst="rect">
+            <a:avLst/>
+          </a:prstGeom>
+          <a:ln>
+            <a:noFill/>
+          </a:ln>
+        </p:spPr>
+        <p:style>
+          <a:lnRef idx="2">
+            <a:schemeClr val="accent3"/>
+          </a:lnRef>
+          <a:fillRef idx="1">
+            <a:schemeClr val="lt1"/>
+          </a:fillRef>
+          <a:effectRef idx="0">
+            <a:schemeClr val="accent3"/>
+          </a:effectRef>
+          <a:fontRef idx="minor">
+            <a:schemeClr val="dk1"/>
+          </a:fontRef>
+        </p:style>
+      </p:pic>
+      <p:sp>
+        <p:nvSpPr>
+          <p:cNvPr id="20" name="Rectangle 19"/>
+          <p:cNvSpPr/>
+          <p:nvPr/>
+        </p:nvSpPr>
+        <p:spPr>
+          <a:xfrm>
+            <a:off x="410678" y="2318323"/>
+            <a:ext cx="144016" cy="144016"/>
+          </a:xfrm>
+          <a:prstGeom prst="rect">
+            <a:avLst/>
+          </a:prstGeom>
+        </p:spPr>
+        <p:style>
+          <a:lnRef idx="2">
+            <a:schemeClr val="accent3"/>
+          </a:lnRef>
+          <a:fillRef idx="1">
+            <a:schemeClr val="lt1"/>
+          </a:fillRef>
+          <a:effectRef idx="0">
+            <a:schemeClr val="accent3"/>
+          </a:effectRef>
+          <a:fontRef idx="minor">
+            <a:schemeClr val="dk1"/>
+          </a:fontRef>
+        </p:style>
+        <p:txBody>
+          <a:bodyPr rtlCol="0" anchor="ctr"/>
+          <a:lstStyle/>
+          <a:p>
+            <a:pPr algn="ctr"/>
+            <a:endParaRPr lang="de-DE"/>
+          </a:p>
+        </p:txBody>
+      </p:sp>
+      <p:sp>
+        <p:nvSpPr>
+          <p:cNvPr id="21" name="Rectangle 20"/>
+          <p:cNvSpPr/>
+          <p:nvPr/>
+        </p:nvSpPr>
+        <p:spPr>
+          <a:xfrm>
+            <a:off x="410678" y="2956406"/>
+            <a:ext cx="144016" cy="144016"/>
+          </a:xfrm>
+          <a:prstGeom prst="rect">
+            <a:avLst/>
+          </a:prstGeom>
+        </p:spPr>
+        <p:style>
+          <a:lnRef idx="2">
+            <a:schemeClr val="accent3"/>
+          </a:lnRef>
+          <a:fillRef idx="1">
+            <a:schemeClr val="lt1"/>
+          </a:fillRef>
+          <a:effectRef idx="0">
+            <a:schemeClr val="accent3"/>
+          </a:effectRef>
+          <a:fontRef idx="minor">
+            <a:schemeClr val="dk1"/>
+          </a:fontRef>
+        </p:style>
+        <p:txBody>
+          <a:bodyPr rtlCol="0" anchor="ctr"/>
+          <a:lstStyle/>
+          <a:p>
+            <a:pPr algn="ctr"/>
+            <a:endParaRPr lang="de-DE"/>
+          </a:p>
+        </p:txBody>
+      </p:sp>
+      <p:cxnSp>
+        <p:nvCxnSpPr>
+          <p:cNvPr id="22" name="Straight Arrow Connector 21"/>
+          <p:cNvCxnSpPr>
+            <a:stCxn id="20" idx="3"/>
+          </p:cNvCxnSpPr>
+          <p:nvPr/>
+        </p:nvCxnSpPr>
+        <p:spPr>
+          <a:xfrm>
+            <a:off x="554694" y="2390331"/>
+            <a:ext cx="483959" cy="135944"/>
+          </a:xfrm>
+          <a:prstGeom prst="straightConnector1">
+            <a:avLst/>
+          </a:prstGeom>
+          <a:ln>
+            <a:tailEnd type="triangle"/>
+          </a:ln>
+        </p:spPr>
+        <p:style>
+          <a:lnRef idx="2">
+            <a:schemeClr val="accent3"/>
+          </a:lnRef>
+          <a:fillRef idx="1">
+            <a:schemeClr val="lt1"/>
+          </a:fillRef>
+          <a:effectRef idx="0">
+            <a:schemeClr val="accent3"/>
+          </a:effectRef>
+          <a:fontRef idx="minor">
+            <a:schemeClr val="dk1"/>
+          </a:fontRef>
+        </p:style>
+      </p:cxnSp>
+      <p:cxnSp>
+        <p:nvCxnSpPr>
+          <p:cNvPr id="23" name="Straight Arrow Connector 22"/>
+          <p:cNvCxnSpPr>
+            <a:stCxn id="21" idx="3"/>
+          </p:cNvCxnSpPr>
+          <p:nvPr/>
+        </p:nvCxnSpPr>
+        <p:spPr>
+          <a:xfrm flipV="1">
+            <a:off x="554694" y="2895437"/>
+            <a:ext cx="483960" cy="132977"/>
+          </a:xfrm>
+          <a:prstGeom prst="straightConnector1">
+            <a:avLst/>
+          </a:prstGeom>
+          <a:ln>
+            <a:tailEnd type="triangle"/>
+          </a:ln>
+        </p:spPr>
+        <p:style>
+          <a:lnRef idx="2">
+            <a:schemeClr val="accent3"/>
+          </a:lnRef>
+          <a:fillRef idx="1">
+            <a:schemeClr val="lt1"/>
+          </a:fillRef>
+          <a:effectRef idx="0">
+            <a:schemeClr val="accent3"/>
+          </a:effectRef>
+          <a:fontRef idx="minor">
+            <a:schemeClr val="dk1"/>
+          </a:fontRef>
+        </p:style>
+      </p:cxnSp>
+      <p:sp>
+        <p:nvSpPr>
+          <p:cNvPr id="26" name="Rounded Rectangle 25"/>
+          <p:cNvSpPr/>
+          <p:nvPr/>
+        </p:nvSpPr>
+        <p:spPr>
+          <a:xfrm>
+            <a:off x="488408" y="5112902"/>
+            <a:ext cx="1584176" cy="1152128"/>
+          </a:xfrm>
+          <a:prstGeom prst="roundRect">
+            <a:avLst/>
+          </a:prstGeom>
+        </p:spPr>
+        <p:style>
+          <a:lnRef idx="2">
+            <a:schemeClr val="accent3"/>
+          </a:lnRef>
+          <a:fillRef idx="1">
+            <a:schemeClr val="lt1"/>
+          </a:fillRef>
+          <a:effectRef idx="0">
+            <a:schemeClr val="accent3"/>
+          </a:effectRef>
+          <a:fontRef idx="minor">
+            <a:schemeClr val="dk1"/>
+          </a:fontRef>
+        </p:style>
+        <p:txBody>
+          <a:bodyPr rtlCol="0" anchor="ctr"/>
+          <a:lstStyle/>
+          <a:p>
+            <a:pPr algn="ctr"/>
+            <a:endParaRPr lang="de-DE"/>
+          </a:p>
+        </p:txBody>
+      </p:sp>
+      <p:sp>
+        <p:nvSpPr>
+          <p:cNvPr id="27" name="Rectangle 26"/>
+          <p:cNvSpPr/>
+          <p:nvPr/>
+        </p:nvSpPr>
+        <p:spPr>
+          <a:xfrm>
+            <a:off x="2000576" y="5616958"/>
+            <a:ext cx="144016" cy="144016"/>
+          </a:xfrm>
+          <a:prstGeom prst="rect">
+            <a:avLst/>
+          </a:prstGeom>
+        </p:spPr>
+        <p:style>
+          <a:lnRef idx="2">
+            <a:schemeClr val="accent3"/>
+          </a:lnRef>
+          <a:fillRef idx="1">
+            <a:schemeClr val="lt1"/>
+          </a:fillRef>
+          <a:effectRef idx="0">
+            <a:schemeClr val="accent3"/>
+          </a:effectRef>
+          <a:fontRef idx="minor">
+            <a:schemeClr val="dk1"/>
+          </a:fontRef>
+        </p:style>
+        <p:txBody>
+          <a:bodyPr rtlCol="0" anchor="ctr"/>
+          <a:lstStyle/>
+          <a:p>
+            <a:pPr algn="ctr"/>
+            <a:endParaRPr lang="de-DE"/>
+          </a:p>
+        </p:txBody>
+      </p:sp>
+      <p:cxnSp>
+        <p:nvCxnSpPr>
+          <p:cNvPr id="28" name="Straight Arrow Connector 27"/>
+          <p:cNvCxnSpPr>
+            <a:endCxn id="27" idx="1"/>
+          </p:cNvCxnSpPr>
+          <p:nvPr/>
+        </p:nvCxnSpPr>
+        <p:spPr>
+          <a:xfrm>
+            <a:off x="1528336" y="5688966"/>
+            <a:ext cx="472240" cy="0"/>
+          </a:xfrm>
+          <a:prstGeom prst="straightConnector1">
+            <a:avLst/>
+          </a:prstGeom>
+          <a:ln>
+            <a:tailEnd type="triangle"/>
+          </a:ln>
+        </p:spPr>
+        <p:style>
+          <a:lnRef idx="2">
+            <a:schemeClr val="accent3"/>
+          </a:lnRef>
+          <a:fillRef idx="1">
+            <a:schemeClr val="lt1"/>
+          </a:fillRef>
+          <a:effectRef idx="0">
+            <a:schemeClr val="accent3"/>
+          </a:effectRef>
+          <a:fontRef idx="minor">
+            <a:schemeClr val="dk1"/>
+          </a:fontRef>
+        </p:style>
+      </p:cxnSp>
+      <p:pic>
+        <p:nvPicPr>
+          <p:cNvPr id="29" name="Picture 28"/>
+          <p:cNvPicPr>
+            <a:picLocks noChangeAspect="1"/>
+          </p:cNvPicPr>
+          <p:nvPr/>
+        </p:nvPicPr>
+        <p:blipFill>
+          <a:blip r:embed="rId3" cstate="print">
+            <a:extLst>
+              <a:ext uri="{28A0092B-C50C-407E-A947-70E740481C1C}">
+                <a14:useLocalDpi xmlns:a14="http://schemas.microsoft.com/office/drawing/2010/main" val="0"/>
+              </a:ext>
+            </a:extLst>
+          </a:blip>
+          <a:stretch>
+            <a:fillRect/>
+          </a:stretch>
+        </p:blipFill>
+        <p:spPr>
+          <a:xfrm>
+            <a:off x="1044378" y="5445242"/>
+            <a:ext cx="460791" cy="487448"/>
+          </a:xfrm>
+          <a:prstGeom prst="rect">
+            <a:avLst/>
+          </a:prstGeom>
+          <a:ln>
+            <a:noFill/>
+          </a:ln>
+        </p:spPr>
+        <p:style>
+          <a:lnRef idx="2">
+            <a:schemeClr val="accent3"/>
+          </a:lnRef>
+          <a:fillRef idx="1">
+            <a:schemeClr val="lt1"/>
+          </a:fillRef>
+          <a:effectRef idx="0">
+            <a:schemeClr val="accent3"/>
+          </a:effectRef>
+          <a:fontRef idx="minor">
+            <a:schemeClr val="dk1"/>
+          </a:fontRef>
+        </p:style>
+      </p:pic>
+      <p:sp>
+        <p:nvSpPr>
+          <p:cNvPr id="31" name="Rounded Rectangle 30"/>
+          <p:cNvSpPr/>
+          <p:nvPr/>
+        </p:nvSpPr>
+        <p:spPr>
+          <a:xfrm>
+            <a:off x="2719936" y="481032"/>
+            <a:ext cx="1584176" cy="1152128"/>
+          </a:xfrm>
+          <a:prstGeom prst="roundRect">
+            <a:avLst/>
+          </a:prstGeom>
+        </p:spPr>
+        <p:style>
+          <a:lnRef idx="2">
+            <a:schemeClr val="accent3"/>
+          </a:lnRef>
+          <a:fillRef idx="1">
+            <a:schemeClr val="lt1"/>
+          </a:fillRef>
+          <a:effectRef idx="0">
+            <a:schemeClr val="accent3"/>
+          </a:effectRef>
+          <a:fontRef idx="minor">
+            <a:schemeClr val="dk1"/>
+          </a:fontRef>
+        </p:style>
+        <p:txBody>
+          <a:bodyPr rtlCol="0" anchor="ctr"/>
+          <a:lstStyle/>
+          <a:p>
+            <a:pPr algn="ctr"/>
+            <a:endParaRPr lang="de-DE"/>
+          </a:p>
+        </p:txBody>
+      </p:sp>
+      <p:sp>
+        <p:nvSpPr>
+          <p:cNvPr id="32" name="Rectangle 31"/>
+          <p:cNvSpPr/>
+          <p:nvPr/>
+        </p:nvSpPr>
+        <p:spPr>
+          <a:xfrm>
+            <a:off x="2647928" y="985088"/>
+            <a:ext cx="144016" cy="144016"/>
+          </a:xfrm>
+          <a:prstGeom prst="rect">
+            <a:avLst/>
+          </a:prstGeom>
+        </p:spPr>
+        <p:style>
+          <a:lnRef idx="2">
+            <a:schemeClr val="accent3"/>
+          </a:lnRef>
+          <a:fillRef idx="1">
+            <a:schemeClr val="lt1"/>
+          </a:fillRef>
+          <a:effectRef idx="0">
+            <a:schemeClr val="accent3"/>
+          </a:effectRef>
+          <a:fontRef idx="minor">
+            <a:schemeClr val="dk1"/>
+          </a:fontRef>
+        </p:style>
+        <p:txBody>
+          <a:bodyPr rtlCol="0" anchor="ctr"/>
+          <a:lstStyle/>
+          <a:p>
+            <a:pPr algn="ctr"/>
+            <a:endParaRPr lang="de-DE"/>
+          </a:p>
+        </p:txBody>
+      </p:sp>
+      <p:sp>
+        <p:nvSpPr>
+          <p:cNvPr id="33" name="Rectangle 32"/>
+          <p:cNvSpPr/>
+          <p:nvPr/>
+        </p:nvSpPr>
+        <p:spPr>
+          <a:xfrm>
+            <a:off x="4232104" y="985088"/>
+            <a:ext cx="144016" cy="144016"/>
+          </a:xfrm>
+          <a:prstGeom prst="rect">
+            <a:avLst/>
+          </a:prstGeom>
+        </p:spPr>
+        <p:style>
+          <a:lnRef idx="2">
+            <a:schemeClr val="accent3"/>
+          </a:lnRef>
+          <a:fillRef idx="1">
+            <a:schemeClr val="lt1"/>
+          </a:fillRef>
+          <a:effectRef idx="0">
+            <a:schemeClr val="accent3"/>
+          </a:effectRef>
+          <a:fontRef idx="minor">
+            <a:schemeClr val="dk1"/>
+          </a:fontRef>
+        </p:style>
+        <p:txBody>
+          <a:bodyPr rtlCol="0" anchor="ctr"/>
+          <a:lstStyle/>
+          <a:p>
+            <a:pPr algn="ctr"/>
+            <a:endParaRPr lang="de-DE"/>
+          </a:p>
+        </p:txBody>
+      </p:sp>
+      <p:cxnSp>
+        <p:nvCxnSpPr>
+          <p:cNvPr id="34" name="Straight Arrow Connector 33"/>
+          <p:cNvCxnSpPr>
+            <a:stCxn id="32" idx="3"/>
+          </p:cNvCxnSpPr>
+          <p:nvPr/>
+        </p:nvCxnSpPr>
+        <p:spPr>
+          <a:xfrm>
+            <a:off x="2791944" y="1057096"/>
+            <a:ext cx="483960" cy="0"/>
+          </a:xfrm>
+          <a:prstGeom prst="straightConnector1">
+            <a:avLst/>
+          </a:prstGeom>
+          <a:ln>
+            <a:tailEnd type="triangle"/>
+          </a:ln>
+        </p:spPr>
+        <p:style>
+          <a:lnRef idx="2">
+            <a:schemeClr val="accent3"/>
+          </a:lnRef>
+          <a:fillRef idx="1">
+            <a:schemeClr val="lt1"/>
+          </a:fillRef>
+          <a:effectRef idx="0">
+            <a:schemeClr val="accent3"/>
+          </a:effectRef>
+          <a:fontRef idx="minor">
+            <a:schemeClr val="dk1"/>
+          </a:fontRef>
+        </p:style>
+      </p:cxnSp>
+      <p:cxnSp>
+        <p:nvCxnSpPr>
+          <p:cNvPr id="35" name="Straight Arrow Connector 34"/>
+          <p:cNvCxnSpPr>
+            <a:endCxn id="33" idx="1"/>
+          </p:cNvCxnSpPr>
+          <p:nvPr/>
+        </p:nvCxnSpPr>
+        <p:spPr>
+          <a:xfrm>
+            <a:off x="3759864" y="1057096"/>
+            <a:ext cx="472240" cy="0"/>
+          </a:xfrm>
+          <a:prstGeom prst="straightConnector1">
+            <a:avLst/>
+          </a:prstGeom>
+          <a:ln>
+            <a:tailEnd type="triangle"/>
+          </a:ln>
+        </p:spPr>
+        <p:style>
+          <a:lnRef idx="2">
+            <a:schemeClr val="accent3"/>
+          </a:lnRef>
+          <a:fillRef idx="1">
+            <a:schemeClr val="lt1"/>
+          </a:fillRef>
+          <a:effectRef idx="0">
+            <a:schemeClr val="accent3"/>
+          </a:effectRef>
+          <a:fontRef idx="minor">
+            <a:schemeClr val="dk1"/>
+          </a:fontRef>
+        </p:style>
+      </p:cxnSp>
+      <p:sp>
+        <p:nvSpPr>
+          <p:cNvPr id="37" name="Rectangle 36"/>
+          <p:cNvSpPr/>
+          <p:nvPr/>
+        </p:nvSpPr>
+        <p:spPr>
+          <a:xfrm>
+            <a:off x="3440016" y="409024"/>
+            <a:ext cx="144016" cy="144016"/>
+          </a:xfrm>
+          <a:prstGeom prst="rect">
+            <a:avLst/>
+          </a:prstGeom>
+        </p:spPr>
+        <p:style>
+          <a:lnRef idx="2">
+            <a:schemeClr val="accent3"/>
+          </a:lnRef>
+          <a:fillRef idx="1">
+            <a:schemeClr val="lt1"/>
+          </a:fillRef>
+          <a:effectRef idx="0">
+            <a:schemeClr val="accent3"/>
+          </a:effectRef>
+          <a:fontRef idx="minor">
+            <a:schemeClr val="dk1"/>
+          </a:fontRef>
+        </p:style>
+        <p:txBody>
+          <a:bodyPr rtlCol="0" anchor="ctr"/>
+          <a:lstStyle/>
+          <a:p>
+            <a:pPr algn="ctr"/>
+            <a:endParaRPr lang="de-DE"/>
+          </a:p>
+        </p:txBody>
+      </p:sp>
+      <p:sp>
+        <p:nvSpPr>
+          <p:cNvPr id="38" name="TextBox 37"/>
+          <p:cNvSpPr txBox="1"/>
+          <p:nvPr/>
+        </p:nvSpPr>
+        <p:spPr>
+          <a:xfrm>
+            <a:off x="3570724" y="90686"/>
+            <a:ext cx="648073" cy="276999"/>
+          </a:xfrm>
+          <a:prstGeom prst="rect">
+            <a:avLst/>
+          </a:prstGeom>
+          <a:ln>
+            <a:noFill/>
+          </a:ln>
+        </p:spPr>
+        <p:style>
+          <a:lnRef idx="2">
+            <a:schemeClr val="accent3"/>
+          </a:lnRef>
+          <a:fillRef idx="1">
+            <a:schemeClr val="lt1"/>
+          </a:fillRef>
+          <a:effectRef idx="0">
+            <a:schemeClr val="accent3"/>
+          </a:effectRef>
+          <a:fontRef idx="minor">
+            <a:schemeClr val="dk1"/>
+          </a:fontRef>
+        </p:style>
+        <p:txBody>
+          <a:bodyPr wrap="square" rtlCol="0">
+            <a:spAutoFit/>
+          </a:bodyPr>
+          <a:lstStyle/>
+          <a:p>
+            <a:r>
+              <a:rPr lang="de-DE" sz="1200" dirty="0" err="1" smtClean="0">
+                <a:solidFill>
+                  <a:srgbClr val="000000"/>
+                </a:solidFill>
+              </a:rPr>
+              <a:t>trigger</a:t>
+            </a:r>
+            <a:endParaRPr lang="de-DE" sz="1200" dirty="0">
+              <a:solidFill>
+                <a:srgbClr val="000000"/>
+              </a:solidFill>
+            </a:endParaRPr>
+          </a:p>
+        </p:txBody>
+      </p:sp>
+      <p:pic>
+        <p:nvPicPr>
+          <p:cNvPr id="39" name="Picture 38"/>
+          <p:cNvPicPr>
+            <a:picLocks noChangeAspect="1"/>
+          </p:cNvPicPr>
+          <p:nvPr/>
+        </p:nvPicPr>
+        <p:blipFill>
+          <a:blip r:embed="rId4" cstate="print">
+            <a:extLst>
+              <a:ext uri="{28A0092B-C50C-407E-A947-70E740481C1C}">
+                <a14:useLocalDpi xmlns:a14="http://schemas.microsoft.com/office/drawing/2010/main" val="0"/>
+              </a:ext>
+            </a:extLst>
+          </a:blip>
+          <a:stretch>
+            <a:fillRect/>
+          </a:stretch>
+        </p:blipFill>
+        <p:spPr>
+          <a:xfrm>
+            <a:off x="3275904" y="810498"/>
+            <a:ext cx="487680" cy="487680"/>
+          </a:xfrm>
+          <a:prstGeom prst="rect">
+            <a:avLst/>
+          </a:prstGeom>
+          <a:ln>
+            <a:noFill/>
+          </a:ln>
+        </p:spPr>
+        <p:style>
+          <a:lnRef idx="2">
+            <a:schemeClr val="accent3"/>
+          </a:lnRef>
+          <a:fillRef idx="1">
+            <a:schemeClr val="lt1"/>
+          </a:fillRef>
+          <a:effectRef idx="0">
+            <a:schemeClr val="accent3"/>
+          </a:effectRef>
+          <a:fontRef idx="minor">
+            <a:schemeClr val="dk1"/>
+          </a:fontRef>
+        </p:style>
+      </p:pic>
+      <p:sp>
+        <p:nvSpPr>
+          <p:cNvPr id="41" name="Rounded Rectangle 40"/>
+          <p:cNvSpPr/>
+          <p:nvPr/>
+        </p:nvSpPr>
+        <p:spPr>
+          <a:xfrm>
+            <a:off x="482685" y="481032"/>
+            <a:ext cx="1584176" cy="1152128"/>
+          </a:xfrm>
+          <a:prstGeom prst="roundRect">
+            <a:avLst/>
+          </a:prstGeom>
+        </p:spPr>
+        <p:style>
+          <a:lnRef idx="2">
+            <a:schemeClr val="accent3"/>
+          </a:lnRef>
+          <a:fillRef idx="1">
+            <a:schemeClr val="lt1"/>
+          </a:fillRef>
+          <a:effectRef idx="0">
+            <a:schemeClr val="accent3"/>
+          </a:effectRef>
+          <a:fontRef idx="minor">
+            <a:schemeClr val="dk1"/>
+          </a:fontRef>
+        </p:style>
+        <p:txBody>
+          <a:bodyPr rtlCol="0" anchor="ctr"/>
+          <a:lstStyle/>
+          <a:p>
+            <a:pPr algn="ctr"/>
+            <a:endParaRPr lang="de-DE"/>
+          </a:p>
+        </p:txBody>
+      </p:sp>
+      <p:sp>
+        <p:nvSpPr>
+          <p:cNvPr id="42" name="Rectangle 41"/>
+          <p:cNvSpPr/>
+          <p:nvPr/>
+        </p:nvSpPr>
+        <p:spPr>
+          <a:xfrm>
+            <a:off x="410677" y="985088"/>
+            <a:ext cx="144016" cy="144016"/>
+          </a:xfrm>
+          <a:prstGeom prst="rect">
+            <a:avLst/>
+          </a:prstGeom>
+        </p:spPr>
+        <p:style>
+          <a:lnRef idx="2">
+            <a:schemeClr val="accent3"/>
+          </a:lnRef>
+          <a:fillRef idx="1">
+            <a:schemeClr val="lt1"/>
+          </a:fillRef>
+          <a:effectRef idx="0">
+            <a:schemeClr val="accent3"/>
+          </a:effectRef>
+          <a:fontRef idx="minor">
+            <a:schemeClr val="dk1"/>
+          </a:fontRef>
+        </p:style>
+        <p:txBody>
+          <a:bodyPr rtlCol="0" anchor="ctr"/>
+          <a:lstStyle/>
+          <a:p>
+            <a:pPr algn="ctr"/>
+            <a:endParaRPr lang="de-DE"/>
+          </a:p>
+        </p:txBody>
+      </p:sp>
+      <p:cxnSp>
+        <p:nvCxnSpPr>
+          <p:cNvPr id="43" name="Straight Arrow Connector 42"/>
+          <p:cNvCxnSpPr>
+            <a:stCxn id="42" idx="3"/>
+          </p:cNvCxnSpPr>
+          <p:nvPr/>
+        </p:nvCxnSpPr>
+        <p:spPr>
+          <a:xfrm>
+            <a:off x="554693" y="1057096"/>
+            <a:ext cx="483960" cy="0"/>
+          </a:xfrm>
+          <a:prstGeom prst="straightConnector1">
+            <a:avLst/>
+          </a:prstGeom>
+          <a:ln>
+            <a:tailEnd type="triangle"/>
+          </a:ln>
+        </p:spPr>
+        <p:style>
+          <a:lnRef idx="2">
+            <a:schemeClr val="accent3"/>
+          </a:lnRef>
+          <a:fillRef idx="1">
+            <a:schemeClr val="lt1"/>
+          </a:fillRef>
+          <a:effectRef idx="0">
+            <a:schemeClr val="accent3"/>
+          </a:effectRef>
+          <a:fontRef idx="minor">
+            <a:schemeClr val="dk1"/>
+          </a:fontRef>
+        </p:style>
+      </p:cxnSp>
+      <p:pic>
+        <p:nvPicPr>
+          <p:cNvPr id="44" name="Picture 43"/>
+          <p:cNvPicPr>
+            <a:picLocks noChangeAspect="1"/>
+          </p:cNvPicPr>
+          <p:nvPr/>
+        </p:nvPicPr>
+        <p:blipFill>
+          <a:blip r:embed="rId5" cstate="print">
+            <a:extLst>
+              <a:ext uri="{28A0092B-C50C-407E-A947-70E740481C1C}">
+                <a14:useLocalDpi xmlns:a14="http://schemas.microsoft.com/office/drawing/2010/main" val="0"/>
+              </a:ext>
+            </a:extLst>
+          </a:blip>
+          <a:stretch>
+            <a:fillRect/>
+          </a:stretch>
+        </p:blipFill>
+        <p:spPr>
+          <a:xfrm>
+            <a:off x="1038653" y="800623"/>
+            <a:ext cx="513875" cy="513875"/>
+          </a:xfrm>
+          <a:prstGeom prst="rect">
+            <a:avLst/>
+          </a:prstGeom>
+          <a:ln>
+            <a:noFill/>
+          </a:ln>
+        </p:spPr>
+        <p:style>
+          <a:lnRef idx="2">
+            <a:schemeClr val="accent3"/>
+          </a:lnRef>
+          <a:fillRef idx="1">
+            <a:schemeClr val="lt1"/>
+          </a:fillRef>
+          <a:effectRef idx="0">
+            <a:schemeClr val="accent3"/>
+          </a:effectRef>
+          <a:fontRef idx="minor">
+            <a:schemeClr val="dk1"/>
+          </a:fontRef>
+        </p:style>
+      </p:pic>
+      <p:cxnSp>
+        <p:nvCxnSpPr>
+          <p:cNvPr id="36" name="Straight Arrow Connector 35"/>
+          <p:cNvCxnSpPr>
+            <a:endCxn id="37" idx="0"/>
+          </p:cNvCxnSpPr>
+          <p:nvPr/>
+        </p:nvCxnSpPr>
+        <p:spPr>
+          <a:xfrm>
+            <a:off x="3512024" y="92786"/>
+            <a:ext cx="0" cy="316238"/>
+          </a:xfrm>
+          <a:prstGeom prst="straightConnector1">
+            <a:avLst/>
+          </a:prstGeom>
+          <a:ln>
+            <a:tailEnd type="triangle"/>
+          </a:ln>
+        </p:spPr>
+        <p:style>
+          <a:lnRef idx="2">
+            <a:schemeClr val="accent3"/>
+          </a:lnRef>
+          <a:fillRef idx="1">
+            <a:schemeClr val="lt1"/>
+          </a:fillRef>
+          <a:effectRef idx="0">
+            <a:schemeClr val="accent3"/>
+          </a:effectRef>
+          <a:fontRef idx="minor">
+            <a:schemeClr val="dk1"/>
+          </a:fontRef>
+        </p:style>
+      </p:cxnSp>
+    </p:spTree>
+    <p:extLst>
+      <p:ext uri="{BB962C8B-B14F-4D97-AF65-F5344CB8AC3E}">
+        <p14:creationId xmlns:p14="http://schemas.microsoft.com/office/powerpoint/2010/main" val="463088884"/>
+      </p:ext>
+    </p:extLst>
+  </p:cSld>
+  <p:clrMapOvr>
+    <a:masterClrMapping/>
+  </p:clrMapOvr>
+</p:sld>
+</file>
+
+<file path=ppt/slides/slide3.xml><?xml version="1.0" encoding="utf-8"?>
+<p:sld xmlns:a="http://schemas.openxmlformats.org/drawingml/2006/main" xmlns:r="http://schemas.openxmlformats.org/officeDocument/2006/relationships" xmlns:p="http://schemas.openxmlformats.org/presentationml/2006/main">
+  <p:cSld>
+    <p:spTree>
+      <p:nvGrpSpPr>
+        <p:cNvPr id="1" name=""/>
+        <p:cNvGrpSpPr/>
+        <p:nvPr/>
+      </p:nvGrpSpPr>
+      <p:grpSpPr>
+        <a:xfrm>
+          <a:off x="0" y="0"/>
+          <a:ext cx="0" cy="0"/>
+          <a:chOff x="0" y="0"/>
+          <a:chExt cx="0" cy="0"/>
+        </a:xfrm>
+      </p:grpSpPr>
+      <p:sp>
+        <p:nvSpPr>
           <p:cNvPr id="4" name="Oval 3"/>
           <p:cNvSpPr>
             <a:spLocks/>
@@ -5496,7 +7080,7 @@
 </p:sld>
 </file>
 
-<file path=ppt/slides/slide3.xml><?xml version="1.0" encoding="utf-8"?>
+<file path=ppt/slides/slide4.xml><?xml version="1.0" encoding="utf-8"?>
 <p:sld xmlns:a="http://schemas.openxmlformats.org/drawingml/2006/main" xmlns:r="http://schemas.openxmlformats.org/officeDocument/2006/relationships" xmlns:p="http://schemas.openxmlformats.org/presentationml/2006/main">
   <p:cSld>
     <p:spTree>
@@ -6772,7 +8356,7 @@
 </p:sld>
 </file>
 
-<file path=ppt/slides/slide4.xml><?xml version="1.0" encoding="utf-8"?>
+<file path=ppt/slides/slide5.xml><?xml version="1.0" encoding="utf-8"?>
 <p:sld xmlns:a="http://schemas.openxmlformats.org/drawingml/2006/main" xmlns:r="http://schemas.openxmlformats.org/officeDocument/2006/relationships" xmlns:p="http://schemas.openxmlformats.org/presentationml/2006/main">
   <p:cSld>
     <p:spTree>
@@ -7396,7 +8980,7 @@
 </p:sld>
 </file>
 
-<file path=ppt/slides/slide5.xml><?xml version="1.0" encoding="utf-8"?>
+<file path=ppt/slides/slide6.xml><?xml version="1.0" encoding="utf-8"?>
 <p:sld xmlns:a="http://schemas.openxmlformats.org/drawingml/2006/main" xmlns:r="http://schemas.openxmlformats.org/officeDocument/2006/relationships" xmlns:p="http://schemas.openxmlformats.org/presentationml/2006/main">
   <p:cSld>
     <p:spTree>
@@ -9330,181 +10914,6 @@
 </p:sld>
 </file>
 
-<file path=ppt/slides/slide6.xml><?xml version="1.0" encoding="utf-8"?>
-<p:sld xmlns:a="http://schemas.openxmlformats.org/drawingml/2006/main" xmlns:r="http://schemas.openxmlformats.org/officeDocument/2006/relationships" xmlns:p="http://schemas.openxmlformats.org/presentationml/2006/main">
-  <p:cSld>
-    <p:spTree>
-      <p:nvGrpSpPr>
-        <p:cNvPr id="1" name=""/>
-        <p:cNvGrpSpPr/>
-        <p:nvPr/>
-      </p:nvGrpSpPr>
-      <p:grpSpPr>
-        <a:xfrm>
-          <a:off x="0" y="0"/>
-          <a:ext cx="0" cy="0"/>
-          <a:chOff x="0" y="0"/>
-          <a:chExt cx="0" cy="0"/>
-        </a:xfrm>
-      </p:grpSpPr>
-      <p:sp>
-        <p:nvSpPr>
-          <p:cNvPr id="2" name="TextBox 1"/>
-          <p:cNvSpPr txBox="1"/>
-          <p:nvPr/>
-        </p:nvSpPr>
-        <p:spPr>
-          <a:xfrm>
-            <a:off x="3677985" y="2770026"/>
-            <a:ext cx="1634422" cy="615553"/>
-          </a:xfrm>
-          <a:prstGeom prst="rect">
-            <a:avLst/>
-          </a:prstGeom>
-          <a:noFill/>
-        </p:spPr>
-        <p:txBody>
-          <a:bodyPr wrap="none" tIns="0" rIns="0" bIns="0" rtlCol="0">
-            <a:spAutoFit/>
-          </a:bodyPr>
-          <a:lstStyle/>
-          <a:p>
-            <a:r>
-              <a:rPr lang="de-DE" sz="4000" dirty="0" err="1" smtClean="0">
-                <a:ln w="0"/>
-                <a:solidFill>
-                  <a:schemeClr val="tx1">
-                    <a:lumMod val="75000"/>
-                    <a:lumOff val="25000"/>
-                  </a:schemeClr>
-                </a:solidFill>
-                <a:effectLst/>
-              </a:rPr>
-              <a:t>eeTime</a:t>
-            </a:r>
-            <a:endParaRPr lang="de-DE" sz="4000" dirty="0">
-              <a:ln w="0"/>
-              <a:solidFill>
-                <a:schemeClr val="tx1">
-                  <a:lumMod val="75000"/>
-                  <a:lumOff val="25000"/>
-                </a:schemeClr>
-              </a:solidFill>
-              <a:effectLst/>
-            </a:endParaRPr>
-          </a:p>
-        </p:txBody>
-      </p:sp>
-      <p:sp>
-        <p:nvSpPr>
-          <p:cNvPr id="3" name="TextBox 2"/>
-          <p:cNvSpPr txBox="1"/>
-          <p:nvPr/>
-        </p:nvSpPr>
-        <p:spPr>
-          <a:xfrm>
-            <a:off x="3490433" y="2532794"/>
-            <a:ext cx="375103" cy="923330"/>
-          </a:xfrm>
-          <a:prstGeom prst="rect">
-            <a:avLst/>
-          </a:prstGeom>
-          <a:noFill/>
-          <a:effectLst/>
-        </p:spPr>
-        <p:txBody>
-          <a:bodyPr wrap="none" lIns="0" tIns="0" rIns="0" bIns="0" rtlCol="0">
-            <a:spAutoFit/>
-          </a:bodyPr>
-          <a:lstStyle/>
-          <a:p>
-            <a:r>
-              <a:rPr lang="de-DE" sz="6000" dirty="0" smtClean="0">
-                <a:ln w="0"/>
-                <a:solidFill>
-                  <a:schemeClr val="tx1">
-                    <a:lumMod val="75000"/>
-                    <a:lumOff val="25000"/>
-                  </a:schemeClr>
-                </a:solidFill>
-                <a:effectLst/>
-              </a:rPr>
-              <a:t>T</a:t>
-            </a:r>
-            <a:endParaRPr lang="de-DE" sz="6000" dirty="0">
-              <a:ln w="0"/>
-              <a:solidFill>
-                <a:schemeClr val="tx1">
-                  <a:lumMod val="75000"/>
-                  <a:lumOff val="25000"/>
-                </a:schemeClr>
-              </a:solidFill>
-              <a:effectLst/>
-            </a:endParaRPr>
-          </a:p>
-        </p:txBody>
-      </p:sp>
-      <p:sp>
-        <p:nvSpPr>
-          <p:cNvPr id="4" name="TextBox 3"/>
-          <p:cNvSpPr txBox="1"/>
-          <p:nvPr/>
-        </p:nvSpPr>
-        <p:spPr>
-          <a:xfrm>
-            <a:off x="5256483" y="2748238"/>
-            <a:ext cx="379207" cy="707886"/>
-          </a:xfrm>
-          <a:prstGeom prst="rect">
-            <a:avLst/>
-          </a:prstGeom>
-          <a:noFill/>
-        </p:spPr>
-        <p:txBody>
-          <a:bodyPr wrap="square" rIns="0" rtlCol="0">
-            <a:spAutoFit/>
-          </a:bodyPr>
-          <a:lstStyle/>
-          <a:p>
-            <a:r>
-              <a:rPr lang="de-DE" sz="4000" dirty="0">
-                <a:ln w="0"/>
-                <a:solidFill>
-                  <a:schemeClr val="tx1">
-                    <a:lumMod val="75000"/>
-                    <a:lumOff val="25000"/>
-                  </a:schemeClr>
-                </a:solidFill>
-                <a:effectLst/>
-              </a:rPr>
-              <a:t>≡</a:t>
-            </a:r>
-            <a:endParaRPr lang="de-DE" sz="4000" dirty="0">
-              <a:effectLst/>
-            </a:endParaRPr>
-          </a:p>
-        </p:txBody>
-      </p:sp>
-    </p:spTree>
-    <p:extLst>
-      <p:ext uri="{BB962C8B-B14F-4D97-AF65-F5344CB8AC3E}">
-        <p14:creationId xmlns:p14="http://schemas.microsoft.com/office/powerpoint/2010/main" val="3425945009"/>
-      </p:ext>
-    </p:extLst>
-  </p:cSld>
-  <p:clrMapOvr>
-    <a:masterClrMapping/>
-  </p:clrMapOvr>
-  <p:timing>
-    <p:tnLst>
-      <p:par>
-        <p:cTn id="1" dur="indefinite" restart="never" nodeType="tmRoot"/>
-      </p:par>
-    </p:tnLst>
-  </p:timing>
-</p:sld>
-</file>
-
 <file path=ppt/slides/slide7.xml><?xml version="1.0" encoding="utf-8"?>
 <p:sld xmlns:a="http://schemas.openxmlformats.org/drawingml/2006/main" xmlns:r="http://schemas.openxmlformats.org/officeDocument/2006/relationships" xmlns:p="http://schemas.openxmlformats.org/presentationml/2006/main">
   <p:cSld>
@@ -9530,8 +10939,105 @@
         </p:nvSpPr>
         <p:spPr>
           <a:xfrm>
-            <a:off x="5311193" y="3008191"/>
-            <a:ext cx="413578" cy="707886"/>
+            <a:off x="3677985" y="2770026"/>
+            <a:ext cx="1634422" cy="615553"/>
+          </a:xfrm>
+          <a:prstGeom prst="rect">
+            <a:avLst/>
+          </a:prstGeom>
+          <a:noFill/>
+        </p:spPr>
+        <p:txBody>
+          <a:bodyPr wrap="none" tIns="0" rIns="0" bIns="0" rtlCol="0">
+            <a:spAutoFit/>
+          </a:bodyPr>
+          <a:lstStyle/>
+          <a:p>
+            <a:r>
+              <a:rPr lang="de-DE" sz="4000" dirty="0" err="1" smtClean="0">
+                <a:ln w="0"/>
+                <a:solidFill>
+                  <a:schemeClr val="tx1">
+                    <a:lumMod val="75000"/>
+                    <a:lumOff val="25000"/>
+                  </a:schemeClr>
+                </a:solidFill>
+                <a:effectLst/>
+              </a:rPr>
+              <a:t>eeTime</a:t>
+            </a:r>
+            <a:endParaRPr lang="de-DE" sz="4000" dirty="0">
+              <a:ln w="0"/>
+              <a:solidFill>
+                <a:schemeClr val="tx1">
+                  <a:lumMod val="75000"/>
+                  <a:lumOff val="25000"/>
+                </a:schemeClr>
+              </a:solidFill>
+              <a:effectLst/>
+            </a:endParaRPr>
+          </a:p>
+        </p:txBody>
+      </p:sp>
+      <p:sp>
+        <p:nvSpPr>
+          <p:cNvPr id="3" name="TextBox 2"/>
+          <p:cNvSpPr txBox="1"/>
+          <p:nvPr/>
+        </p:nvSpPr>
+        <p:spPr>
+          <a:xfrm>
+            <a:off x="3490433" y="2532794"/>
+            <a:ext cx="375103" cy="923330"/>
+          </a:xfrm>
+          <a:prstGeom prst="rect">
+            <a:avLst/>
+          </a:prstGeom>
+          <a:noFill/>
+          <a:effectLst/>
+        </p:spPr>
+        <p:txBody>
+          <a:bodyPr wrap="none" lIns="0" tIns="0" rIns="0" bIns="0" rtlCol="0">
+            <a:spAutoFit/>
+          </a:bodyPr>
+          <a:lstStyle/>
+          <a:p>
+            <a:r>
+              <a:rPr lang="de-DE" sz="6000" dirty="0" smtClean="0">
+                <a:ln w="0"/>
+                <a:solidFill>
+                  <a:schemeClr val="tx1">
+                    <a:lumMod val="75000"/>
+                    <a:lumOff val="25000"/>
+                  </a:schemeClr>
+                </a:solidFill>
+                <a:effectLst/>
+              </a:rPr>
+              <a:t>T</a:t>
+            </a:r>
+            <a:endParaRPr lang="de-DE" sz="6000" dirty="0">
+              <a:ln w="0"/>
+              <a:solidFill>
+                <a:schemeClr val="tx1">
+                  <a:lumMod val="75000"/>
+                  <a:lumOff val="25000"/>
+                </a:schemeClr>
+              </a:solidFill>
+              <a:effectLst/>
+            </a:endParaRPr>
+          </a:p>
+        </p:txBody>
+      </p:sp>
+      <p:sp>
+        <p:nvSpPr>
+          <p:cNvPr id="4" name="TextBox 3"/>
+          <p:cNvSpPr txBox="1"/>
+          <p:nvPr/>
+        </p:nvSpPr>
+        <p:spPr>
+          <a:xfrm>
+            <a:off x="5256483" y="2748238"/>
+            <a:ext cx="379207" cy="707886"/>
           </a:xfrm>
           <a:prstGeom prst="rect">
             <a:avLst/>
@@ -9545,7 +11051,7 @@
           <a:lstStyle/>
           <a:p>
             <a:r>
-              <a:rPr lang="de-DE" sz="4000" dirty="0" smtClean="0">
+              <a:rPr lang="de-DE" sz="4000" dirty="0">
                 <a:ln w="0"/>
                 <a:solidFill>
                   <a:schemeClr val="tx1">
@@ -9563,58 +11069,10 @@
           </a:p>
         </p:txBody>
       </p:sp>
-      <p:sp>
-        <p:nvSpPr>
-          <p:cNvPr id="3" name="TextBox 2"/>
-          <p:cNvSpPr txBox="1"/>
-          <p:nvPr/>
-        </p:nvSpPr>
-        <p:spPr>
-          <a:xfrm>
-            <a:off x="4966293" y="3008191"/>
-            <a:ext cx="428131" cy="615553"/>
-          </a:xfrm>
-          <a:prstGeom prst="rect">
-            <a:avLst/>
-          </a:prstGeom>
-          <a:noFill/>
-        </p:spPr>
-        <p:txBody>
-          <a:bodyPr wrap="none" tIns="0" rIns="0" bIns="0" rtlCol="0">
-            <a:spAutoFit/>
-          </a:bodyPr>
-          <a:lstStyle/>
-          <a:p>
-            <a:r>
-              <a:rPr lang="de-DE" sz="4000" dirty="0" err="1" smtClean="0">
-                <a:ln w="0"/>
-                <a:solidFill>
-                  <a:schemeClr val="tx1">
-                    <a:lumMod val="75000"/>
-                    <a:lumOff val="25000"/>
-                  </a:schemeClr>
-                </a:solidFill>
-                <a:effectLst/>
-              </a:rPr>
-              <a:t>tt</a:t>
-            </a:r>
-            <a:endParaRPr lang="de-DE" sz="4000" dirty="0">
-              <a:ln w="0"/>
-              <a:solidFill>
-                <a:schemeClr val="tx1">
-                  <a:lumMod val="75000"/>
-                  <a:lumOff val="25000"/>
-                </a:schemeClr>
-              </a:solidFill>
-              <a:effectLst/>
-            </a:endParaRPr>
-          </a:p>
-        </p:txBody>
-      </p:sp>
     </p:spTree>
     <p:extLst>
       <p:ext uri="{BB962C8B-B14F-4D97-AF65-F5344CB8AC3E}">
-        <p14:creationId xmlns:p14="http://schemas.microsoft.com/office/powerpoint/2010/main" val="3826784307"/>
+        <p14:creationId xmlns:p14="http://schemas.microsoft.com/office/powerpoint/2010/main" val="3425945009"/>
       </p:ext>
     </p:extLst>
   </p:cSld>
@@ -9656,7 +11114,7 @@
         </p:nvSpPr>
         <p:spPr>
           <a:xfrm>
-            <a:off x="4752393" y="2595838"/>
+            <a:off x="5311193" y="3008191"/>
             <a:ext cx="413578" cy="707886"/>
           </a:xfrm>
           <a:prstGeom prst="rect">
@@ -9697,8 +11155,8 @@
         </p:nvSpPr>
         <p:spPr>
           <a:xfrm>
-            <a:off x="4565031" y="2595106"/>
-            <a:ext cx="263855" cy="615553"/>
+            <a:off x="4966293" y="3008191"/>
+            <a:ext cx="428131" cy="615553"/>
           </a:xfrm>
           <a:prstGeom prst="rect">
             <a:avLst/>
@@ -9712,7 +11170,7 @@
           <a:lstStyle/>
           <a:p>
             <a:r>
-              <a:rPr lang="de-DE" sz="4000" dirty="0" smtClean="0">
+              <a:rPr lang="de-DE" sz="4000" dirty="0" err="1" smtClean="0">
                 <a:ln w="0"/>
                 <a:solidFill>
                   <a:schemeClr val="tx1">
@@ -9722,7 +11180,7 @@
                 </a:solidFill>
                 <a:effectLst/>
               </a:rPr>
-              <a:t>t</a:t>
+              <a:t>tt</a:t>
             </a:r>
             <a:endParaRPr lang="de-DE" sz="4000" dirty="0">
               <a:ln w="0"/>
@@ -9740,7 +11198,7 @@
     </p:spTree>
     <p:extLst>
       <p:ext uri="{BB962C8B-B14F-4D97-AF65-F5344CB8AC3E}">
-        <p14:creationId xmlns:p14="http://schemas.microsoft.com/office/powerpoint/2010/main" val="2470498303"/>
+        <p14:creationId xmlns:p14="http://schemas.microsoft.com/office/powerpoint/2010/main" val="3826784307"/>
       </p:ext>
     </p:extLst>
   </p:cSld>
@@ -9781,9 +11239,9 @@
           <p:nvPr/>
         </p:nvSpPr>
         <p:spPr>
-          <a:xfrm flipH="1">
-            <a:off x="4762499" y="2579169"/>
-            <a:ext cx="428625" cy="707886"/>
+          <a:xfrm>
+            <a:off x="4752393" y="2595838"/>
+            <a:ext cx="413578" cy="707886"/>
           </a:xfrm>
           <a:prstGeom prst="rect">
             <a:avLst/>
@@ -9823,8 +11281,8 @@
         </p:nvSpPr>
         <p:spPr>
           <a:xfrm>
-            <a:off x="4507270" y="2595838"/>
-            <a:ext cx="342401" cy="615553"/>
+            <a:off x="4565031" y="2595106"/>
+            <a:ext cx="263855" cy="615553"/>
           </a:xfrm>
           <a:prstGeom prst="rect">
             <a:avLst/>
@@ -9838,7 +11296,7 @@
           <a:lstStyle/>
           <a:p>
             <a:r>
-              <a:rPr lang="de-DE" sz="4000" dirty="0">
+              <a:rPr lang="de-DE" sz="4000" dirty="0" smtClean="0">
                 <a:ln w="0"/>
                 <a:solidFill>
                   <a:schemeClr val="tx1">
@@ -9846,8 +11304,9 @@
                     <a:lumOff val="25000"/>
                   </a:schemeClr>
                 </a:solidFill>
+                <a:effectLst/>
               </a:rPr>
-              <a:t>T</a:t>
+              <a:t>t</a:t>
             </a:r>
             <a:endParaRPr lang="de-DE" sz="4000" dirty="0">
               <a:ln w="0"/>
@@ -9865,7 +11324,7 @@
     </p:spTree>
     <p:extLst>
       <p:ext uri="{BB962C8B-B14F-4D97-AF65-F5344CB8AC3E}">
-        <p14:creationId xmlns:p14="http://schemas.microsoft.com/office/powerpoint/2010/main" val="1562623309"/>
+        <p14:creationId xmlns:p14="http://schemas.microsoft.com/office/powerpoint/2010/main" val="2470498303"/>
       </p:ext>
     </p:extLst>
   </p:cSld>

--- a/images/teetime.pptx
+++ b/images/teetime.pptx
@@ -221,7 +221,7 @@
           <a:p>
             <a:fld id="{35FB3322-8137-4149-9F14-9A06CD7D0F5A}" type="datetimeFigureOut">
               <a:rPr lang="de-DE" smtClean="0"/>
-              <a:t>23.09.2015</a:t>
+              <a:t>30.09.2015</a:t>
             </a:fld>
             <a:endParaRPr lang="de-DE"/>
           </a:p>
@@ -1460,7 +1460,7 @@
           <a:p>
             <a:fld id="{B65606E3-788B-4D39-8065-BBA1684B78E5}" type="datetimeFigureOut">
               <a:rPr lang="de-DE" smtClean="0"/>
-              <a:t>23.09.2015</a:t>
+              <a:t>30.09.2015</a:t>
             </a:fld>
             <a:endParaRPr lang="de-DE"/>
           </a:p>
@@ -1630,7 +1630,7 @@
           <a:p>
             <a:fld id="{B65606E3-788B-4D39-8065-BBA1684B78E5}" type="datetimeFigureOut">
               <a:rPr lang="de-DE" smtClean="0"/>
-              <a:t>23.09.2015</a:t>
+              <a:t>30.09.2015</a:t>
             </a:fld>
             <a:endParaRPr lang="de-DE"/>
           </a:p>
@@ -1810,7 +1810,7 @@
           <a:p>
             <a:fld id="{B65606E3-788B-4D39-8065-BBA1684B78E5}" type="datetimeFigureOut">
               <a:rPr lang="de-DE" smtClean="0"/>
-              <a:t>23.09.2015</a:t>
+              <a:t>30.09.2015</a:t>
             </a:fld>
             <a:endParaRPr lang="de-DE"/>
           </a:p>
@@ -1980,7 +1980,7 @@
           <a:p>
             <a:fld id="{B65606E3-788B-4D39-8065-BBA1684B78E5}" type="datetimeFigureOut">
               <a:rPr lang="de-DE" smtClean="0"/>
-              <a:t>23.09.2015</a:t>
+              <a:t>30.09.2015</a:t>
             </a:fld>
             <a:endParaRPr lang="de-DE"/>
           </a:p>
@@ -2226,7 +2226,7 @@
           <a:p>
             <a:fld id="{B65606E3-788B-4D39-8065-BBA1684B78E5}" type="datetimeFigureOut">
               <a:rPr lang="de-DE" smtClean="0"/>
-              <a:t>23.09.2015</a:t>
+              <a:t>30.09.2015</a:t>
             </a:fld>
             <a:endParaRPr lang="de-DE"/>
           </a:p>
@@ -2458,7 +2458,7 @@
           <a:p>
             <a:fld id="{B65606E3-788B-4D39-8065-BBA1684B78E5}" type="datetimeFigureOut">
               <a:rPr lang="de-DE" smtClean="0"/>
-              <a:t>23.09.2015</a:t>
+              <a:t>30.09.2015</a:t>
             </a:fld>
             <a:endParaRPr lang="de-DE"/>
           </a:p>
@@ -2825,7 +2825,7 @@
           <a:p>
             <a:fld id="{B65606E3-788B-4D39-8065-BBA1684B78E5}" type="datetimeFigureOut">
               <a:rPr lang="de-DE" smtClean="0"/>
-              <a:t>23.09.2015</a:t>
+              <a:t>30.09.2015</a:t>
             </a:fld>
             <a:endParaRPr lang="de-DE"/>
           </a:p>
@@ -2943,7 +2943,7 @@
           <a:p>
             <a:fld id="{B65606E3-788B-4D39-8065-BBA1684B78E5}" type="datetimeFigureOut">
               <a:rPr lang="de-DE" smtClean="0"/>
-              <a:t>23.09.2015</a:t>
+              <a:t>30.09.2015</a:t>
             </a:fld>
             <a:endParaRPr lang="de-DE"/>
           </a:p>
@@ -3038,7 +3038,7 @@
           <a:p>
             <a:fld id="{B65606E3-788B-4D39-8065-BBA1684B78E5}" type="datetimeFigureOut">
               <a:rPr lang="de-DE" smtClean="0"/>
-              <a:t>23.09.2015</a:t>
+              <a:t>30.09.2015</a:t>
             </a:fld>
             <a:endParaRPr lang="de-DE"/>
           </a:p>
@@ -3315,7 +3315,7 @@
           <a:p>
             <a:fld id="{B65606E3-788B-4D39-8065-BBA1684B78E5}" type="datetimeFigureOut">
               <a:rPr lang="de-DE" smtClean="0"/>
-              <a:t>23.09.2015</a:t>
+              <a:t>30.09.2015</a:t>
             </a:fld>
             <a:endParaRPr lang="de-DE"/>
           </a:p>
@@ -3568,7 +3568,7 @@
           <a:p>
             <a:fld id="{B65606E3-788B-4D39-8065-BBA1684B78E5}" type="datetimeFigureOut">
               <a:rPr lang="de-DE" smtClean="0"/>
-              <a:t>23.09.2015</a:t>
+              <a:t>30.09.2015</a:t>
             </a:fld>
             <a:endParaRPr lang="de-DE"/>
           </a:p>
@@ -3781,7 +3781,7 @@
           <a:p>
             <a:fld id="{B65606E3-788B-4D39-8065-BBA1684B78E5}" type="datetimeFigureOut">
               <a:rPr lang="de-DE" smtClean="0"/>
-              <a:t>23.09.2015</a:t>
+              <a:t>30.09.2015</a:t>
             </a:fld>
             <a:endParaRPr lang="de-DE"/>
           </a:p>
@@ -4970,6 +4970,90 @@
           <a:chExt cx="0" cy="0"/>
         </a:xfrm>
       </p:grpSpPr>
+      <p:sp>
+        <p:nvSpPr>
+          <p:cNvPr id="45" name="Rectangle 44"/>
+          <p:cNvSpPr/>
+          <p:nvPr/>
+        </p:nvSpPr>
+        <p:spPr>
+          <a:xfrm>
+            <a:off x="416400" y="5620937"/>
+            <a:ext cx="144016" cy="144016"/>
+          </a:xfrm>
+          <a:prstGeom prst="rect">
+            <a:avLst/>
+          </a:prstGeom>
+          <a:noFill/>
+          <a:ln>
+            <a:noFill/>
+          </a:ln>
+        </p:spPr>
+        <p:style>
+          <a:lnRef idx="2">
+            <a:schemeClr val="accent3"/>
+          </a:lnRef>
+          <a:fillRef idx="1">
+            <a:schemeClr val="lt1"/>
+          </a:fillRef>
+          <a:effectRef idx="0">
+            <a:schemeClr val="accent3"/>
+          </a:effectRef>
+          <a:fontRef idx="minor">
+            <a:schemeClr val="dk1"/>
+          </a:fontRef>
+        </p:style>
+        <p:txBody>
+          <a:bodyPr rtlCol="0" anchor="ctr"/>
+          <a:lstStyle/>
+          <a:p>
+            <a:pPr algn="ctr"/>
+            <a:endParaRPr lang="de-DE"/>
+          </a:p>
+        </p:txBody>
+      </p:sp>
+      <p:sp>
+        <p:nvSpPr>
+          <p:cNvPr id="40" name="Rectangle 39"/>
+          <p:cNvSpPr/>
+          <p:nvPr/>
+        </p:nvSpPr>
+        <p:spPr>
+          <a:xfrm>
+            <a:off x="1989579" y="982330"/>
+            <a:ext cx="144016" cy="144016"/>
+          </a:xfrm>
+          <a:prstGeom prst="rect">
+            <a:avLst/>
+          </a:prstGeom>
+          <a:noFill/>
+          <a:ln>
+            <a:noFill/>
+          </a:ln>
+        </p:spPr>
+        <p:style>
+          <a:lnRef idx="2">
+            <a:schemeClr val="accent3"/>
+          </a:lnRef>
+          <a:fillRef idx="1">
+            <a:schemeClr val="lt1"/>
+          </a:fillRef>
+          <a:effectRef idx="0">
+            <a:schemeClr val="accent3"/>
+          </a:effectRef>
+          <a:fontRef idx="minor">
+            <a:schemeClr val="dk1"/>
+          </a:fontRef>
+        </p:style>
+        <p:txBody>
+          <a:bodyPr rtlCol="0" anchor="ctr"/>
+          <a:lstStyle/>
+          <a:p>
+            <a:pPr algn="ctr"/>
+            <a:endParaRPr lang="de-DE"/>
+          </a:p>
+        </p:txBody>
+      </p:sp>
       <p:sp>
         <p:nvSpPr>
           <p:cNvPr id="3" name="Rounded Rectangle 2"/>
